--- a/Suppl_Figures_05202022.pptx
+++ b/Suppl_Figures_05202022.pptx
@@ -7,9 +7,10 @@
   <p:sldIdLst>
     <p:sldId id="272" r:id="rId2"/>
     <p:sldId id="277" r:id="rId3"/>
-    <p:sldId id="274" r:id="rId4"/>
-    <p:sldId id="276" r:id="rId5"/>
-    <p:sldId id="275" r:id="rId6"/>
+    <p:sldId id="279" r:id="rId4"/>
+    <p:sldId id="274" r:id="rId5"/>
+    <p:sldId id="276" r:id="rId6"/>
+    <p:sldId id="275" r:id="rId7"/>
   </p:sldIdLst>
   <p:sldSz cx="18288000" cy="10972800"/>
   <p:notesSz cx="7010400" cy="9296400"/>
@@ -4385,6 +4386,588 @@
           <a:chExt cx="0" cy="0"/>
         </a:xfrm>
       </p:grpSpPr>
+      <p:sp>
+        <p:nvSpPr>
+          <p:cNvPr id="20" name="TextBox 19">
+            <a:extLst>
+              <a:ext uri="{FF2B5EF4-FFF2-40B4-BE49-F238E27FC236}">
+                <a16:creationId xmlns:a16="http://schemas.microsoft.com/office/drawing/2014/main" id="{930097C1-8E54-8AB7-9783-76C695F75289}"/>
+              </a:ext>
+            </a:extLst>
+          </p:cNvPr>
+          <p:cNvSpPr txBox="1"/>
+          <p:nvPr/>
+        </p:nvSpPr>
+        <p:spPr>
+          <a:xfrm>
+            <a:off x="2098623" y="9239312"/>
+            <a:ext cx="13772064" cy="1264642"/>
+          </a:xfrm>
+          <a:prstGeom prst="rect">
+            <a:avLst/>
+          </a:prstGeom>
+          <a:noFill/>
+        </p:spPr>
+        <p:txBody>
+          <a:bodyPr wrap="square">
+            <a:spAutoFit/>
+          </a:bodyPr>
+          <a:lstStyle/>
+          <a:p>
+            <a:pPr marL="0" marR="0">
+              <a:lnSpc>
+                <a:spcPct val="107000"/>
+              </a:lnSpc>
+              <a:spcBef>
+                <a:spcPts val="0"/>
+              </a:spcBef>
+              <a:spcAft>
+                <a:spcPts val="800"/>
+              </a:spcAft>
+            </a:pPr>
+            <a:r>
+              <a:rPr lang="en-US" sz="1800" b="1" dirty="0">
+                <a:effectLst/>
+                <a:latin typeface="Calibri" panose="020F0502020204030204" pitchFamily="34" charset="0"/>
+                <a:ea typeface="Calibri" panose="020F0502020204030204" pitchFamily="34" charset="0"/>
+                <a:cs typeface="Times New Roman" panose="02020603050405020304" pitchFamily="18" charset="0"/>
+              </a:rPr>
+              <a:t>Supplementary Figure 9.</a:t>
+            </a:r>
+            <a:r>
+              <a:rPr lang="en-US" sz="1800" dirty="0">
+                <a:effectLst/>
+                <a:latin typeface="Calibri" panose="020F0502020204030204" pitchFamily="34" charset="0"/>
+                <a:ea typeface="Calibri" panose="020F0502020204030204" pitchFamily="34" charset="0"/>
+                <a:cs typeface="Times New Roman" panose="02020603050405020304" pitchFamily="18" charset="0"/>
+              </a:rPr>
+              <a:t>  Network of Sourcetracker2 derived maternal contributions (outside nodes) to neonatal microbiomes (inside nodes) by disease states </a:t>
+            </a:r>
+            <a:r>
+              <a:rPr lang="en-US" sz="1800" b="1" dirty="0">
+                <a:effectLst/>
+                <a:latin typeface="Calibri" panose="020F0502020204030204" pitchFamily="34" charset="0"/>
+                <a:ea typeface="Calibri" panose="020F0502020204030204" pitchFamily="34" charset="0"/>
+                <a:cs typeface="Times New Roman" panose="02020603050405020304" pitchFamily="18" charset="0"/>
+              </a:rPr>
+              <a:t>A) </a:t>
+            </a:r>
+            <a:r>
+              <a:rPr lang="en-US" sz="1800" dirty="0">
+                <a:effectLst/>
+                <a:latin typeface="Calibri" panose="020F0502020204030204" pitchFamily="34" charset="0"/>
+                <a:ea typeface="Calibri" panose="020F0502020204030204" pitchFamily="34" charset="0"/>
+                <a:cs typeface="Times New Roman" panose="02020603050405020304" pitchFamily="18" charset="0"/>
+              </a:rPr>
+              <a:t>Control and </a:t>
+            </a:r>
+            <a:r>
+              <a:rPr lang="en-US" sz="1800" b="1" dirty="0">
+                <a:effectLst/>
+                <a:latin typeface="Calibri" panose="020F0502020204030204" pitchFamily="34" charset="0"/>
+                <a:ea typeface="Calibri" panose="020F0502020204030204" pitchFamily="34" charset="0"/>
+                <a:cs typeface="Times New Roman" panose="02020603050405020304" pitchFamily="18" charset="0"/>
+              </a:rPr>
+              <a:t>B) </a:t>
+            </a:r>
+            <a:r>
+              <a:rPr lang="en-US" sz="1800" dirty="0">
+                <a:effectLst/>
+                <a:latin typeface="Calibri" panose="020F0502020204030204" pitchFamily="34" charset="0"/>
+                <a:ea typeface="Calibri" panose="020F0502020204030204" pitchFamily="34" charset="0"/>
+                <a:cs typeface="Times New Roman" panose="02020603050405020304" pitchFamily="18" charset="0"/>
+              </a:rPr>
+              <a:t>Type one diabetes by delivery modes Cesarean (left) and Vaginal (right). Results show statistically significant increases in maternal source Anus contributions to the ear microbiome when comparing vaginally delivered neonatal ear microbiomes from type 1 diabetic mothers to the control.</a:t>
+            </a:r>
+          </a:p>
+        </p:txBody>
+      </p:sp>
+      <p:grpSp>
+        <p:nvGrpSpPr>
+          <p:cNvPr id="26" name="Group 25">
+            <a:extLst>
+              <a:ext uri="{FF2B5EF4-FFF2-40B4-BE49-F238E27FC236}">
+                <a16:creationId xmlns:a16="http://schemas.microsoft.com/office/drawing/2014/main" id="{A16A2394-9A07-821F-BC2A-F9836F3BC6D8}"/>
+              </a:ext>
+            </a:extLst>
+          </p:cNvPr>
+          <p:cNvGrpSpPr/>
+          <p:nvPr/>
+        </p:nvGrpSpPr>
+        <p:grpSpPr>
+          <a:xfrm>
+            <a:off x="1767969" y="958578"/>
+            <a:ext cx="14752063" cy="7406727"/>
+            <a:chOff x="1306286" y="711307"/>
+            <a:chExt cx="14752063" cy="7406727"/>
+          </a:xfrm>
+        </p:grpSpPr>
+        <p:grpSp>
+          <p:nvGrpSpPr>
+            <p:cNvPr id="25" name="Group 24">
+              <a:extLst>
+                <a:ext uri="{FF2B5EF4-FFF2-40B4-BE49-F238E27FC236}">
+                  <a16:creationId xmlns:a16="http://schemas.microsoft.com/office/drawing/2014/main" id="{56E280D3-CC82-1DCD-56F2-7A9CF78224E2}"/>
+                </a:ext>
+              </a:extLst>
+            </p:cNvPr>
+            <p:cNvGrpSpPr/>
+            <p:nvPr/>
+          </p:nvGrpSpPr>
+          <p:grpSpPr>
+            <a:xfrm>
+              <a:off x="2192548" y="711307"/>
+              <a:ext cx="6361684" cy="7406727"/>
+              <a:chOff x="2782316" y="711307"/>
+              <a:chExt cx="6361684" cy="7406727"/>
+            </a:xfrm>
+          </p:grpSpPr>
+          <p:grpSp>
+            <p:nvGrpSpPr>
+              <p:cNvPr id="3" name="Group 2">
+                <a:extLst>
+                  <a:ext uri="{FF2B5EF4-FFF2-40B4-BE49-F238E27FC236}">
+                    <a16:creationId xmlns:a16="http://schemas.microsoft.com/office/drawing/2014/main" id="{85D65C28-0E73-41A3-CF00-5A35CE71A0AD}"/>
+                  </a:ext>
+                </a:extLst>
+              </p:cNvPr>
+              <p:cNvGrpSpPr/>
+              <p:nvPr/>
+            </p:nvGrpSpPr>
+            <p:grpSpPr>
+              <a:xfrm>
+                <a:off x="2782316" y="711307"/>
+                <a:ext cx="6361683" cy="959998"/>
+                <a:chOff x="3364725" y="711307"/>
+                <a:chExt cx="4588902" cy="959998"/>
+              </a:xfrm>
+            </p:grpSpPr>
+            <p:sp>
+              <p:nvSpPr>
+                <p:cNvPr id="12" name="TextBox 11">
+                  <a:extLst>
+                    <a:ext uri="{FF2B5EF4-FFF2-40B4-BE49-F238E27FC236}">
+                      <a16:creationId xmlns:a16="http://schemas.microsoft.com/office/drawing/2014/main" id="{49C6D7DE-9B71-9FFF-3B5F-F911F4AA2923}"/>
+                    </a:ext>
+                  </a:extLst>
+                </p:cNvPr>
+                <p:cNvSpPr txBox="1"/>
+                <p:nvPr/>
+              </p:nvSpPr>
+              <p:spPr>
+                <a:xfrm>
+                  <a:off x="5203502" y="711307"/>
+                  <a:ext cx="911349" cy="523220"/>
+                </a:xfrm>
+                <a:prstGeom prst="rect">
+                  <a:avLst/>
+                </a:prstGeom>
+                <a:noFill/>
+              </p:spPr>
+              <p:txBody>
+                <a:bodyPr wrap="square" rtlCol="0">
+                  <a:spAutoFit/>
+                </a:bodyPr>
+                <a:lstStyle/>
+                <a:p>
+                  <a:r>
+                    <a:rPr lang="en-US" sz="2800" dirty="0"/>
+                    <a:t>Control</a:t>
+                  </a:r>
+                </a:p>
+              </p:txBody>
+            </p:sp>
+            <p:sp>
+              <p:nvSpPr>
+                <p:cNvPr id="7" name="TextBox 6">
+                  <a:extLst>
+                    <a:ext uri="{FF2B5EF4-FFF2-40B4-BE49-F238E27FC236}">
+                      <a16:creationId xmlns:a16="http://schemas.microsoft.com/office/drawing/2014/main" id="{829D7A03-F877-D2C8-D5CD-D617595CCAB3}"/>
+                    </a:ext>
+                  </a:extLst>
+                </p:cNvPr>
+                <p:cNvSpPr txBox="1"/>
+                <p:nvPr/>
+              </p:nvSpPr>
+              <p:spPr>
+                <a:xfrm>
+                  <a:off x="3364725" y="1148085"/>
+                  <a:ext cx="1099921" cy="523220"/>
+                </a:xfrm>
+                <a:prstGeom prst="rect">
+                  <a:avLst/>
+                </a:prstGeom>
+                <a:noFill/>
+              </p:spPr>
+              <p:txBody>
+                <a:bodyPr wrap="none" rtlCol="0">
+                  <a:spAutoFit/>
+                </a:bodyPr>
+                <a:lstStyle/>
+                <a:p>
+                  <a:r>
+                    <a:rPr lang="en-US" sz="2800" dirty="0"/>
+                    <a:t>Cesarean</a:t>
+                  </a:r>
+                </a:p>
+              </p:txBody>
+            </p:sp>
+            <p:sp>
+              <p:nvSpPr>
+                <p:cNvPr id="8" name="TextBox 7">
+                  <a:extLst>
+                    <a:ext uri="{FF2B5EF4-FFF2-40B4-BE49-F238E27FC236}">
+                      <a16:creationId xmlns:a16="http://schemas.microsoft.com/office/drawing/2014/main" id="{31BF513E-2FE4-ED61-6D88-183D13BB795C}"/>
+                    </a:ext>
+                  </a:extLst>
+                </p:cNvPr>
+                <p:cNvSpPr txBox="1"/>
+                <p:nvPr/>
+              </p:nvSpPr>
+              <p:spPr>
+                <a:xfrm>
+                  <a:off x="6721367" y="1148085"/>
+                  <a:ext cx="1232260" cy="523220"/>
+                </a:xfrm>
+                <a:prstGeom prst="rect">
+                  <a:avLst/>
+                </a:prstGeom>
+                <a:noFill/>
+              </p:spPr>
+              <p:txBody>
+                <a:bodyPr wrap="none" rtlCol="0">
+                  <a:spAutoFit/>
+                </a:bodyPr>
+                <a:lstStyle/>
+                <a:p>
+                  <a:r>
+                    <a:rPr lang="en-US" sz="2800" dirty="0"/>
+                    <a:t>Vaginal</a:t>
+                  </a:r>
+                </a:p>
+              </p:txBody>
+            </p:sp>
+          </p:grpSp>
+          <p:pic>
+            <p:nvPicPr>
+              <p:cNvPr id="6" name="Picture 5" descr="Chart, radar chart&#10;&#10;Description automatically generated">
+                <a:extLst>
+                  <a:ext uri="{FF2B5EF4-FFF2-40B4-BE49-F238E27FC236}">
+                    <a16:creationId xmlns:a16="http://schemas.microsoft.com/office/drawing/2014/main" id="{BF2C6858-B9D6-A018-7E09-543043ED375B}"/>
+                  </a:ext>
+                </a:extLst>
+              </p:cNvPr>
+              <p:cNvPicPr>
+                <a:picLocks noChangeAspect="1"/>
+              </p:cNvPicPr>
+              <p:nvPr/>
+            </p:nvPicPr>
+            <p:blipFill>
+              <a:blip r:embed="rId2">
+                <a:extLst>
+                  <a:ext uri="{28A0092B-C50C-407E-A947-70E740481C1C}">
+                    <a14:useLocalDpi xmlns:a14="http://schemas.microsoft.com/office/drawing/2010/main" val="0"/>
+                  </a:ext>
+                </a:extLst>
+              </a:blip>
+              <a:stretch>
+                <a:fillRect/>
+              </a:stretch>
+            </p:blipFill>
+            <p:spPr>
+              <a:xfrm>
+                <a:off x="2782317" y="1733488"/>
+                <a:ext cx="6361683" cy="6384546"/>
+              </a:xfrm>
+              <a:prstGeom prst="rect">
+                <a:avLst/>
+              </a:prstGeom>
+            </p:spPr>
+          </p:pic>
+        </p:grpSp>
+        <p:grpSp>
+          <p:nvGrpSpPr>
+            <p:cNvPr id="24" name="Group 23">
+              <a:extLst>
+                <a:ext uri="{FF2B5EF4-FFF2-40B4-BE49-F238E27FC236}">
+                  <a16:creationId xmlns:a16="http://schemas.microsoft.com/office/drawing/2014/main" id="{6B63A0D7-DC06-B73A-0CE7-7DDB956DCF95}"/>
+                </a:ext>
+              </a:extLst>
+            </p:cNvPr>
+            <p:cNvGrpSpPr/>
+            <p:nvPr/>
+          </p:nvGrpSpPr>
+          <p:grpSpPr>
+            <a:xfrm>
+              <a:off x="9696665" y="806937"/>
+              <a:ext cx="6361684" cy="7215466"/>
+              <a:chOff x="9696665" y="711307"/>
+              <a:chExt cx="6361684" cy="7215466"/>
+            </a:xfrm>
+          </p:grpSpPr>
+          <p:grpSp>
+            <p:nvGrpSpPr>
+              <p:cNvPr id="15" name="Group 14">
+                <a:extLst>
+                  <a:ext uri="{FF2B5EF4-FFF2-40B4-BE49-F238E27FC236}">
+                    <a16:creationId xmlns:a16="http://schemas.microsoft.com/office/drawing/2014/main" id="{BDD91F14-62B5-E693-CC7B-D01F97DF1614}"/>
+                  </a:ext>
+                </a:extLst>
+              </p:cNvPr>
+              <p:cNvGrpSpPr/>
+              <p:nvPr/>
+            </p:nvGrpSpPr>
+            <p:grpSpPr>
+              <a:xfrm>
+                <a:off x="9696665" y="711307"/>
+                <a:ext cx="6361683" cy="959998"/>
+                <a:chOff x="3364725" y="711307"/>
+                <a:chExt cx="4588902" cy="959998"/>
+              </a:xfrm>
+            </p:grpSpPr>
+            <p:sp>
+              <p:nvSpPr>
+                <p:cNvPr id="16" name="TextBox 15">
+                  <a:extLst>
+                    <a:ext uri="{FF2B5EF4-FFF2-40B4-BE49-F238E27FC236}">
+                      <a16:creationId xmlns:a16="http://schemas.microsoft.com/office/drawing/2014/main" id="{36BA41C9-F9B2-BB0E-ECDA-A248F5E5D93B}"/>
+                    </a:ext>
+                  </a:extLst>
+                </p:cNvPr>
+                <p:cNvSpPr txBox="1"/>
+                <p:nvPr/>
+              </p:nvSpPr>
+              <p:spPr>
+                <a:xfrm>
+                  <a:off x="5277501" y="711307"/>
+                  <a:ext cx="763351" cy="523220"/>
+                </a:xfrm>
+                <a:prstGeom prst="rect">
+                  <a:avLst/>
+                </a:prstGeom>
+                <a:noFill/>
+              </p:spPr>
+              <p:txBody>
+                <a:bodyPr wrap="none" rtlCol="0">
+                  <a:spAutoFit/>
+                </a:bodyPr>
+                <a:lstStyle/>
+                <a:p>
+                  <a:r>
+                    <a:rPr lang="en-US" sz="2800" dirty="0"/>
+                    <a:t>T1D</a:t>
+                  </a:r>
+                </a:p>
+              </p:txBody>
+            </p:sp>
+            <p:sp>
+              <p:nvSpPr>
+                <p:cNvPr id="17" name="TextBox 16">
+                  <a:extLst>
+                    <a:ext uri="{FF2B5EF4-FFF2-40B4-BE49-F238E27FC236}">
+                      <a16:creationId xmlns:a16="http://schemas.microsoft.com/office/drawing/2014/main" id="{F3D919C4-6FDB-7F0D-8FA2-4803A52EBBDC}"/>
+                    </a:ext>
+                  </a:extLst>
+                </p:cNvPr>
+                <p:cNvSpPr txBox="1"/>
+                <p:nvPr/>
+              </p:nvSpPr>
+              <p:spPr>
+                <a:xfrm>
+                  <a:off x="3364725" y="1148085"/>
+                  <a:ext cx="1099921" cy="523220"/>
+                </a:xfrm>
+                <a:prstGeom prst="rect">
+                  <a:avLst/>
+                </a:prstGeom>
+                <a:noFill/>
+              </p:spPr>
+              <p:txBody>
+                <a:bodyPr wrap="none" rtlCol="0">
+                  <a:spAutoFit/>
+                </a:bodyPr>
+                <a:lstStyle/>
+                <a:p>
+                  <a:r>
+                    <a:rPr lang="en-US" sz="2800" dirty="0"/>
+                    <a:t>Cesarean</a:t>
+                  </a:r>
+                </a:p>
+              </p:txBody>
+            </p:sp>
+            <p:sp>
+              <p:nvSpPr>
+                <p:cNvPr id="18" name="TextBox 17">
+                  <a:extLst>
+                    <a:ext uri="{FF2B5EF4-FFF2-40B4-BE49-F238E27FC236}">
+                      <a16:creationId xmlns:a16="http://schemas.microsoft.com/office/drawing/2014/main" id="{085B12B5-F1A1-85DD-A41F-EFE2C99A6DA9}"/>
+                    </a:ext>
+                  </a:extLst>
+                </p:cNvPr>
+                <p:cNvSpPr txBox="1"/>
+                <p:nvPr/>
+              </p:nvSpPr>
+              <p:spPr>
+                <a:xfrm>
+                  <a:off x="6721367" y="1148085"/>
+                  <a:ext cx="1232260" cy="523220"/>
+                </a:xfrm>
+                <a:prstGeom prst="rect">
+                  <a:avLst/>
+                </a:prstGeom>
+                <a:noFill/>
+              </p:spPr>
+              <p:txBody>
+                <a:bodyPr wrap="none" rtlCol="0">
+                  <a:spAutoFit/>
+                </a:bodyPr>
+                <a:lstStyle/>
+                <a:p>
+                  <a:r>
+                    <a:rPr lang="en-US" sz="2800" dirty="0"/>
+                    <a:t>Vaginal</a:t>
+                  </a:r>
+                </a:p>
+              </p:txBody>
+            </p:sp>
+          </p:grpSp>
+          <p:pic>
+            <p:nvPicPr>
+              <p:cNvPr id="19" name="Picture 18">
+                <a:extLst>
+                  <a:ext uri="{FF2B5EF4-FFF2-40B4-BE49-F238E27FC236}">
+                    <a16:creationId xmlns:a16="http://schemas.microsoft.com/office/drawing/2014/main" id="{019B2216-2962-AB77-8953-520FA03AEB2D}"/>
+                  </a:ext>
+                </a:extLst>
+              </p:cNvPr>
+              <p:cNvPicPr>
+                <a:picLocks noChangeAspect="1"/>
+              </p:cNvPicPr>
+              <p:nvPr/>
+            </p:nvPicPr>
+            <p:blipFill>
+              <a:blip r:embed="rId3">
+                <a:extLst>
+                  <a:ext uri="{28A0092B-C50C-407E-A947-70E740481C1C}">
+                    <a14:useLocalDpi xmlns:a14="http://schemas.microsoft.com/office/drawing/2010/main" val="0"/>
+                  </a:ext>
+                </a:extLst>
+              </a:blip>
+              <a:srcRect/>
+              <a:stretch/>
+            </p:blipFill>
+            <p:spPr>
+              <a:xfrm>
+                <a:off x="9696666" y="1671305"/>
+                <a:ext cx="6361683" cy="6255468"/>
+              </a:xfrm>
+              <a:prstGeom prst="rect">
+                <a:avLst/>
+              </a:prstGeom>
+            </p:spPr>
+          </p:pic>
+        </p:grpSp>
+        <p:sp>
+          <p:nvSpPr>
+            <p:cNvPr id="22" name="TextBox 21">
+              <a:extLst>
+                <a:ext uri="{FF2B5EF4-FFF2-40B4-BE49-F238E27FC236}">
+                  <a16:creationId xmlns:a16="http://schemas.microsoft.com/office/drawing/2014/main" id="{B21E5E75-C1E5-CEE0-A825-06910AA5DEB2}"/>
+                </a:ext>
+              </a:extLst>
+            </p:cNvPr>
+            <p:cNvSpPr txBox="1"/>
+            <p:nvPr/>
+          </p:nvSpPr>
+          <p:spPr>
+            <a:xfrm>
+              <a:off x="1306286" y="4106894"/>
+              <a:ext cx="630091" cy="615553"/>
+            </a:xfrm>
+            <a:prstGeom prst="rect">
+              <a:avLst/>
+            </a:prstGeom>
+            <a:noFill/>
+          </p:spPr>
+          <p:txBody>
+            <a:bodyPr wrap="square">
+              <a:spAutoFit/>
+            </a:bodyPr>
+            <a:lstStyle/>
+            <a:p>
+              <a:r>
+                <a:rPr lang="en-US" sz="3400" dirty="0"/>
+                <a:t>A)</a:t>
+              </a:r>
+            </a:p>
+          </p:txBody>
+        </p:sp>
+        <p:sp>
+          <p:nvSpPr>
+            <p:cNvPr id="23" name="TextBox 22">
+              <a:extLst>
+                <a:ext uri="{FF2B5EF4-FFF2-40B4-BE49-F238E27FC236}">
+                  <a16:creationId xmlns:a16="http://schemas.microsoft.com/office/drawing/2014/main" id="{742A526E-5219-703C-9FEB-56DA0FBA8A91}"/>
+                </a:ext>
+              </a:extLst>
+            </p:cNvPr>
+            <p:cNvSpPr txBox="1"/>
+            <p:nvPr/>
+          </p:nvSpPr>
+          <p:spPr>
+            <a:xfrm>
+              <a:off x="8810403" y="4106894"/>
+              <a:ext cx="630091" cy="615553"/>
+            </a:xfrm>
+            <a:prstGeom prst="rect">
+              <a:avLst/>
+            </a:prstGeom>
+            <a:noFill/>
+          </p:spPr>
+          <p:txBody>
+            <a:bodyPr wrap="square">
+              <a:spAutoFit/>
+            </a:bodyPr>
+            <a:lstStyle/>
+            <a:p>
+              <a:r>
+                <a:rPr lang="en-US" sz="3400" dirty="0"/>
+                <a:t>B)</a:t>
+              </a:r>
+            </a:p>
+          </p:txBody>
+        </p:sp>
+      </p:grpSp>
+    </p:spTree>
+    <p:extLst>
+      <p:ext uri="{BB962C8B-B14F-4D97-AF65-F5344CB8AC3E}">
+        <p14:creationId xmlns:p14="http://schemas.microsoft.com/office/powerpoint/2010/main" val="3310668279"/>
+      </p:ext>
+    </p:extLst>
+  </p:cSld>
+  <p:clrMapOvr>
+    <a:masterClrMapping/>
+  </p:clrMapOvr>
+</p:sld>
+</file>
+
+<file path=ppt/slides/slide4.xml><?xml version="1.0" encoding="utf-8"?>
+<p:sld xmlns:a="http://schemas.openxmlformats.org/drawingml/2006/main" xmlns:r="http://schemas.openxmlformats.org/officeDocument/2006/relationships" xmlns:p="http://schemas.openxmlformats.org/presentationml/2006/main">
+  <p:cSld>
+    <p:spTree>
+      <p:nvGrpSpPr>
+        <p:cNvPr id="1" name=""/>
+        <p:cNvGrpSpPr/>
+        <p:nvPr/>
+      </p:nvGrpSpPr>
+      <p:grpSpPr>
+        <a:xfrm>
+          <a:off x="0" y="0"/>
+          <a:ext cx="0" cy="0"/>
+          <a:chOff x="0" y="0"/>
+          <a:chExt cx="0" cy="0"/>
+        </a:xfrm>
+      </p:grpSpPr>
       <p:pic>
         <p:nvPicPr>
           <p:cNvPr id="3" name="Picture 2">
@@ -8302,7 +8885,7 @@
 </p:sld>
 </file>
 
-<file path=ppt/slides/slide4.xml><?xml version="1.0" encoding="utf-8"?>
+<file path=ppt/slides/slide5.xml><?xml version="1.0" encoding="utf-8"?>
 <p:sld xmlns:a="http://schemas.openxmlformats.org/drawingml/2006/main" xmlns:r="http://schemas.openxmlformats.org/officeDocument/2006/relationships" xmlns:p="http://schemas.openxmlformats.org/presentationml/2006/main">
   <p:cSld>
     <p:spTree>
@@ -8435,7 +9018,7 @@
 </p:sld>
 </file>
 
-<file path=ppt/slides/slide5.xml><?xml version="1.0" encoding="utf-8"?>
+<file path=ppt/slides/slide6.xml><?xml version="1.0" encoding="utf-8"?>
 <p:sld xmlns:a="http://schemas.openxmlformats.org/drawingml/2006/main" xmlns:r="http://schemas.openxmlformats.org/officeDocument/2006/relationships" xmlns:p="http://schemas.openxmlformats.org/presentationml/2006/main">
   <p:cSld>
     <p:spTree>
